--- a/slides/fili-santillan.pptx
+++ b/slides/fili-santillan.pptx
@@ -513,7 +513,7 @@
           <p:cNvPr id="11" name="Autor y fecha"/>
           <p:cNvSpPr txBox="1"/>
           <p:nvPr>
-            <p:ph type="body" sz="quarter" idx="13" hasCustomPrompt="1"/>
+            <p:ph type="body" sz="quarter" idx="21" hasCustomPrompt="1"/>
           </p:nvPr>
         </p:nvSpPr>
         <p:spPr>
@@ -582,7 +582,7 @@
       </p:sp>
       <p:sp>
         <p:nvSpPr>
-          <p:cNvPr id="13" name="Nivel de texto 1…"/>
+          <p:cNvPr id="13" name="Body Level One…"/>
           <p:cNvSpPr txBox="1"/>
           <p:nvPr>
             <p:ph type="body" sz="quarter" idx="1" hasCustomPrompt="1"/>
@@ -690,7 +690,7 @@
       </p:sp>
       <p:sp>
         <p:nvSpPr>
-          <p:cNvPr id="14" name="Número de diapositiva"/>
+          <p:cNvPr id="14" name="Slide Number"/>
           <p:cNvSpPr txBox="1"/>
           <p:nvPr>
             <p:ph type="sldNum" sz="quarter" idx="2"/>
@@ -738,7 +738,7 @@
       </p:grpSpPr>
       <p:sp>
         <p:nvSpPr>
-          <p:cNvPr id="98" name="Nivel de texto 1…"/>
+          <p:cNvPr id="98" name="Body Level One…"/>
           <p:cNvSpPr txBox="1"/>
           <p:nvPr>
             <p:ph type="body" sz="half" idx="1" hasCustomPrompt="1"/>
@@ -871,7 +871,7 @@
       </p:sp>
       <p:sp>
         <p:nvSpPr>
-          <p:cNvPr id="99" name="Número de diapositiva"/>
+          <p:cNvPr id="99" name="Slide Number"/>
           <p:cNvSpPr txBox="1"/>
           <p:nvPr>
             <p:ph type="sldNum" sz="quarter" idx="2"/>
@@ -919,7 +919,7 @@
       </p:grpSpPr>
       <p:sp>
         <p:nvSpPr>
-          <p:cNvPr id="106" name="Nivel de texto 1…"/>
+          <p:cNvPr id="106" name="Body Level One…"/>
           <p:cNvSpPr txBox="1"/>
           <p:nvPr>
             <p:ph type="body" idx="1" hasCustomPrompt="1"/>
@@ -1030,7 +1030,7 @@
           <p:cNvPr id="107" name="Información del hecho"/>
           <p:cNvSpPr txBox="1"/>
           <p:nvPr>
-            <p:ph type="body" sz="quarter" idx="13" hasCustomPrompt="1"/>
+            <p:ph type="body" sz="quarter" idx="21" hasCustomPrompt="1"/>
           </p:nvPr>
         </p:nvSpPr>
         <p:spPr>
@@ -1067,7 +1067,7 @@
       </p:sp>
       <p:sp>
         <p:nvSpPr>
-          <p:cNvPr id="108" name="Número de diapositiva"/>
+          <p:cNvPr id="108" name="Slide Number"/>
           <p:cNvSpPr txBox="1"/>
           <p:nvPr>
             <p:ph type="sldNum" sz="quarter" idx="2"/>
@@ -1118,7 +1118,7 @@
           <p:cNvPr id="115" name="Atribución"/>
           <p:cNvSpPr txBox="1"/>
           <p:nvPr>
-            <p:ph type="body" sz="quarter" idx="13" hasCustomPrompt="1"/>
+            <p:ph type="body" sz="quarter" idx="21" hasCustomPrompt="1"/>
           </p:nvPr>
         </p:nvSpPr>
         <p:spPr>
@@ -1155,7 +1155,7 @@
       </p:sp>
       <p:sp>
         <p:nvSpPr>
-          <p:cNvPr id="116" name="Nivel de texto 1…"/>
+          <p:cNvPr id="116" name="Body Level One…"/>
           <p:cNvSpPr txBox="1"/>
           <p:nvPr>
             <p:ph type="body" sz="half" idx="1" hasCustomPrompt="1"/>
@@ -1273,7 +1273,7 @@
       </p:sp>
       <p:sp>
         <p:nvSpPr>
-          <p:cNvPr id="117" name="Número de diapositiva"/>
+          <p:cNvPr id="117" name="Slide Number"/>
           <p:cNvSpPr txBox="1"/>
           <p:nvPr>
             <p:ph type="sldNum" sz="quarter" idx="2"/>
@@ -1321,10 +1321,10 @@
       </p:grpSpPr>
       <p:sp>
         <p:nvSpPr>
-          <p:cNvPr id="124" name="Imagen"/>
+          <p:cNvPr id="124" name="Image"/>
           <p:cNvSpPr/>
           <p:nvPr>
-            <p:ph type="pic" sz="quarter" idx="13"/>
+            <p:ph type="pic" sz="quarter" idx="21"/>
           </p:nvPr>
         </p:nvSpPr>
         <p:spPr>
@@ -1348,10 +1348,10 @@
       </p:sp>
       <p:sp>
         <p:nvSpPr>
-          <p:cNvPr id="125" name="Imagen"/>
+          <p:cNvPr id="125" name="Image"/>
           <p:cNvSpPr/>
           <p:nvPr>
-            <p:ph type="pic" sz="half" idx="14"/>
+            <p:ph type="pic" sz="half" idx="22"/>
           </p:nvPr>
         </p:nvSpPr>
         <p:spPr>
@@ -1375,10 +1375,10 @@
       </p:sp>
       <p:sp>
         <p:nvSpPr>
-          <p:cNvPr id="126" name="Imagen"/>
+          <p:cNvPr id="126" name="Image"/>
           <p:cNvSpPr/>
           <p:nvPr>
-            <p:ph type="pic" idx="15"/>
+            <p:ph type="pic" idx="23"/>
           </p:nvPr>
         </p:nvSpPr>
         <p:spPr>
@@ -1402,7 +1402,7 @@
       </p:sp>
       <p:sp>
         <p:nvSpPr>
-          <p:cNvPr id="127" name="Número de diapositiva"/>
+          <p:cNvPr id="127" name="Slide Number"/>
           <p:cNvSpPr txBox="1"/>
           <p:nvPr>
             <p:ph type="sldNum" sz="quarter" idx="2"/>
@@ -1450,10 +1450,10 @@
       </p:grpSpPr>
       <p:sp>
         <p:nvSpPr>
-          <p:cNvPr id="134" name="Imagen"/>
+          <p:cNvPr id="134" name="Image"/>
           <p:cNvSpPr/>
           <p:nvPr>
-            <p:ph type="pic" idx="13"/>
+            <p:ph type="pic" idx="21"/>
           </p:nvPr>
         </p:nvSpPr>
         <p:spPr>
@@ -1477,7 +1477,7 @@
       </p:sp>
       <p:sp>
         <p:nvSpPr>
-          <p:cNvPr id="135" name="Número de diapositiva"/>
+          <p:cNvPr id="135" name="Slide Number"/>
           <p:cNvSpPr txBox="1"/>
           <p:nvPr>
             <p:ph type="sldNum" sz="quarter" idx="2"/>
@@ -1533,7 +1533,7 @@
       </p:grpSpPr>
       <p:sp>
         <p:nvSpPr>
-          <p:cNvPr id="142" name="Número de diapositiva"/>
+          <p:cNvPr id="142" name="Slide Number"/>
           <p:cNvSpPr txBox="1"/>
           <p:nvPr>
             <p:ph type="sldNum" sz="quarter" idx="2"/>
@@ -1584,7 +1584,7 @@
           <p:cNvPr id="21" name="666699290_02_crop_3159x1892.jpg"/>
           <p:cNvSpPr/>
           <p:nvPr>
-            <p:ph type="pic" idx="13"/>
+            <p:ph type="pic" idx="21"/>
           </p:nvPr>
         </p:nvSpPr>
         <p:spPr>
@@ -1643,7 +1643,7 @@
           <p:cNvPr id="23" name="Autor y fecha"/>
           <p:cNvSpPr txBox="1"/>
           <p:nvPr>
-            <p:ph type="body" sz="quarter" idx="14" hasCustomPrompt="1"/>
+            <p:ph type="body" sz="quarter" idx="22" hasCustomPrompt="1"/>
           </p:nvPr>
         </p:nvSpPr>
         <p:spPr>
@@ -1680,7 +1680,7 @@
       </p:sp>
       <p:sp>
         <p:nvSpPr>
-          <p:cNvPr id="24" name="Nivel de texto 1…"/>
+          <p:cNvPr id="24" name="Body Level One…"/>
           <p:cNvSpPr txBox="1"/>
           <p:nvPr>
             <p:ph type="body" sz="quarter" idx="1" hasCustomPrompt="1"/>
@@ -1788,7 +1788,7 @@
       </p:sp>
       <p:sp>
         <p:nvSpPr>
-          <p:cNvPr id="25" name="Número de diapositiva"/>
+          <p:cNvPr id="25" name="Slide Number"/>
           <p:cNvSpPr txBox="1"/>
           <p:nvPr>
             <p:ph type="sldNum" sz="quarter" idx="2"/>
@@ -1839,7 +1839,7 @@
           <p:cNvPr id="32" name="910457886_1434x1669.jpg"/>
           <p:cNvSpPr/>
           <p:nvPr>
-            <p:ph type="pic" idx="13"/>
+            <p:ph type="pic" idx="21"/>
           </p:nvPr>
         </p:nvSpPr>
         <p:spPr>
@@ -1891,7 +1891,7 @@
       </p:sp>
       <p:sp>
         <p:nvSpPr>
-          <p:cNvPr id="34" name="Nivel de texto 1…"/>
+          <p:cNvPr id="34" name="Body Level One…"/>
           <p:cNvSpPr txBox="1"/>
           <p:nvPr>
             <p:ph type="body" sz="quarter" idx="1" hasCustomPrompt="1"/>
@@ -1999,7 +1999,7 @@
       </p:sp>
       <p:sp>
         <p:nvSpPr>
-          <p:cNvPr id="35" name="Número de diapositiva"/>
+          <p:cNvPr id="35" name="Slide Number"/>
           <p:cNvSpPr txBox="1"/>
           <p:nvPr>
             <p:ph type="sldNum" sz="quarter" idx="2"/>
@@ -2078,7 +2078,7 @@
           <p:cNvPr id="43" name="Subtítulo de diapositiva"/>
           <p:cNvSpPr txBox="1"/>
           <p:nvPr>
-            <p:ph type="body" sz="quarter" idx="13" hasCustomPrompt="1"/>
+            <p:ph type="body" sz="quarter" idx="21" hasCustomPrompt="1"/>
           </p:nvPr>
         </p:nvSpPr>
         <p:spPr>
@@ -2115,7 +2115,7 @@
       </p:sp>
       <p:sp>
         <p:nvSpPr>
-          <p:cNvPr id="44" name="Nivel de texto 1…"/>
+          <p:cNvPr id="44" name="Body Level One…"/>
           <p:cNvSpPr txBox="1"/>
           <p:nvPr>
             <p:ph type="body" idx="1" hasCustomPrompt="1"/>
@@ -2163,7 +2163,7 @@
       </p:sp>
       <p:sp>
         <p:nvSpPr>
-          <p:cNvPr id="45" name="Número de diapositiva"/>
+          <p:cNvPr id="45" name="Slide Number"/>
           <p:cNvSpPr txBox="1"/>
           <p:nvPr>
             <p:ph type="sldNum" sz="quarter" idx="2"/>
@@ -2211,7 +2211,7 @@
       </p:grpSpPr>
       <p:sp>
         <p:nvSpPr>
-          <p:cNvPr id="52" name="Nivel de texto 1…"/>
+          <p:cNvPr id="52" name="Body Level One…"/>
           <p:cNvSpPr txBox="1"/>
           <p:nvPr>
             <p:ph type="body" idx="1" hasCustomPrompt="1"/>
@@ -2259,7 +2259,7 @@
       </p:sp>
       <p:sp>
         <p:nvSpPr>
-          <p:cNvPr id="53" name="Número de diapositiva"/>
+          <p:cNvPr id="53" name="Slide Number"/>
           <p:cNvSpPr txBox="1"/>
           <p:nvPr>
             <p:ph type="sldNum" sz="quarter" idx="2"/>
@@ -2310,7 +2310,7 @@
           <p:cNvPr id="60" name="Subtítulo de diapositiva"/>
           <p:cNvSpPr txBox="1"/>
           <p:nvPr>
-            <p:ph type="body" sz="quarter" idx="13" hasCustomPrompt="1"/>
+            <p:ph type="body" sz="quarter" idx="21" hasCustomPrompt="1"/>
           </p:nvPr>
         </p:nvSpPr>
         <p:spPr>
@@ -2347,7 +2347,7 @@
       </p:sp>
       <p:sp>
         <p:nvSpPr>
-          <p:cNvPr id="61" name="Nivel de texto 1…"/>
+          <p:cNvPr id="61" name="Body Level One…"/>
           <p:cNvSpPr txBox="1"/>
           <p:nvPr>
             <p:ph type="body" sz="half" idx="1" hasCustomPrompt="1"/>
@@ -2402,7 +2402,7 @@
           <p:cNvPr id="62" name="660384004_1290x1720.jpg"/>
           <p:cNvSpPr/>
           <p:nvPr>
-            <p:ph type="pic" idx="14"/>
+            <p:ph type="pic" idx="22"/>
           </p:nvPr>
         </p:nvSpPr>
         <p:spPr>
@@ -2454,7 +2454,7 @@
       </p:sp>
       <p:sp>
         <p:nvSpPr>
-          <p:cNvPr id="64" name="Número de diapositiva"/>
+          <p:cNvPr id="64" name="Slide Number"/>
           <p:cNvSpPr txBox="1"/>
           <p:nvPr>
             <p:ph type="sldNum" sz="quarter" idx="2"/>
@@ -2539,7 +2539,7 @@
       </p:sp>
       <p:sp>
         <p:nvSpPr>
-          <p:cNvPr id="72" name="Número de diapositiva"/>
+          <p:cNvPr id="72" name="Slide Number"/>
           <p:cNvSpPr txBox="1"/>
           <p:nvPr>
             <p:ph type="sldNum" sz="quarter" idx="2"/>
@@ -2622,7 +2622,7 @@
           <p:cNvPr id="80" name="Subtítulo de diapositiva"/>
           <p:cNvSpPr txBox="1"/>
           <p:nvPr>
-            <p:ph type="body" sz="quarter" idx="13" hasCustomPrompt="1"/>
+            <p:ph type="body" sz="quarter" idx="21" hasCustomPrompt="1"/>
           </p:nvPr>
         </p:nvSpPr>
         <p:spPr>
@@ -2659,7 +2659,7 @@
       </p:sp>
       <p:sp>
         <p:nvSpPr>
-          <p:cNvPr id="81" name="Número de diapositiva"/>
+          <p:cNvPr id="81" name="Slide Number"/>
           <p:cNvSpPr txBox="1"/>
           <p:nvPr>
             <p:ph type="sldNum" sz="quarter" idx="2"/>
@@ -2738,7 +2738,7 @@
           <p:cNvPr id="89" name="Subtítulo de agenda"/>
           <p:cNvSpPr txBox="1"/>
           <p:nvPr>
-            <p:ph type="body" sz="quarter" idx="13" hasCustomPrompt="1"/>
+            <p:ph type="body" sz="quarter" idx="21" hasCustomPrompt="1"/>
           </p:nvPr>
         </p:nvSpPr>
         <p:spPr>
@@ -2775,7 +2775,7 @@
       </p:sp>
       <p:sp>
         <p:nvSpPr>
-          <p:cNvPr id="90" name="Nivel de texto 1…"/>
+          <p:cNvPr id="90" name="Body Level One…"/>
           <p:cNvSpPr txBox="1"/>
           <p:nvPr>
             <p:ph type="body" idx="1" hasCustomPrompt="1"/>
@@ -2879,7 +2879,7 @@
       </p:sp>
       <p:sp>
         <p:nvSpPr>
-          <p:cNvPr id="91" name="Número de diapositiva"/>
+          <p:cNvPr id="91" name="Slide Number"/>
           <p:cNvSpPr txBox="1"/>
           <p:nvPr>
             <p:ph type="sldNum" sz="quarter" idx="2"/>
@@ -2972,7 +2972,7 @@
       </p:sp>
       <p:sp>
         <p:nvSpPr>
-          <p:cNvPr id="3" name="Nivel de texto 1…"/>
+          <p:cNvPr id="3" name="Body Level One…"/>
           <p:cNvSpPr txBox="1"/>
           <p:nvPr>
             <p:ph type="body" idx="1" hasCustomPrompt="1"/>
@@ -3034,7 +3034,7 @@
       </p:sp>
       <p:sp>
         <p:nvSpPr>
-          <p:cNvPr id="4" name="Número de diapositiva"/>
+          <p:cNvPr id="4" name="Slide Number"/>
           <p:cNvSpPr txBox="1"/>
           <p:nvPr>
             <p:ph type="sldNum" sz="quarter" idx="2"/>
@@ -3833,7 +3833,7 @@
       </p:grpSpPr>
       <p:pic>
         <p:nvPicPr>
-          <p:cNvPr id="151" name="Fili-Santillan.jpg" descr="Fili-Santillan.jpg"/>
+          <p:cNvPr id="151" name="fili-santillan.jpg" descr="fili-santillan.jpg"/>
           <p:cNvPicPr>
             <a:picLocks noChangeAspect="1"/>
           </p:cNvPicPr>
@@ -3843,15 +3843,15 @@
           <a:blip r:embed="rId2">
             <a:extLst/>
           </a:blip>
-          <a:srcRect l="117" t="117" r="116" b="116"/>
+          <a:srcRect l="0" t="0" r="0" b="0"/>
           <a:stretch>
             <a:fillRect/>
           </a:stretch>
         </p:blipFill>
         <p:spPr>
           <a:xfrm>
-            <a:off x="16660788" y="795404"/>
-            <a:ext cx="6409119" cy="6409128"/>
+            <a:off x="16660780" y="795404"/>
+            <a:ext cx="6409135" cy="6409135"/>
           </a:xfrm>
           <a:custGeom>
             <a:avLst/>
@@ -3873,34 +3873,49 @@
             </a:cxnLst>
             <a:rect l="0" t="0" r="r" b="b"/>
             <a:pathLst>
-              <a:path w="19679" h="20595" fill="norm" stroke="1" extrusionOk="0">
+              <a:path w="21600" h="21600" fill="norm" stroke="1" extrusionOk="0">
                 <a:moveTo>
-                  <a:pt x="9840" y="0"/>
+                  <a:pt x="10801" y="0"/>
                 </a:moveTo>
                 <a:cubicBezTo>
-                  <a:pt x="7321" y="0"/>
-                  <a:pt x="4803" y="1005"/>
-                  <a:pt x="2882" y="3016"/>
+                  <a:pt x="8037" y="0"/>
+                  <a:pt x="5272" y="1054"/>
+                  <a:pt x="3163" y="3163"/>
                 </a:cubicBezTo>
                 <a:cubicBezTo>
-                  <a:pt x="-961" y="7037"/>
-                  <a:pt x="-961" y="13557"/>
-                  <a:pt x="2882" y="17579"/>
+                  <a:pt x="1054" y="5272"/>
+                  <a:pt x="0" y="8037"/>
+                  <a:pt x="0" y="10801"/>
                 </a:cubicBezTo>
                 <a:cubicBezTo>
-                  <a:pt x="6724" y="21600"/>
-                  <a:pt x="12954" y="21600"/>
-                  <a:pt x="16796" y="17579"/>
+                  <a:pt x="0" y="13565"/>
+                  <a:pt x="1054" y="16328"/>
+                  <a:pt x="3163" y="18437"/>
                 </a:cubicBezTo>
                 <a:cubicBezTo>
-                  <a:pt x="20639" y="13557"/>
-                  <a:pt x="20639" y="7037"/>
-                  <a:pt x="16796" y="3016"/>
+                  <a:pt x="5272" y="20546"/>
+                  <a:pt x="8037" y="21600"/>
+                  <a:pt x="10801" y="21600"/>
                 </a:cubicBezTo>
                 <a:cubicBezTo>
-                  <a:pt x="14875" y="1005"/>
-                  <a:pt x="12358" y="0"/>
-                  <a:pt x="9840" y="0"/>
+                  <a:pt x="13565" y="21600"/>
+                  <a:pt x="16328" y="20546"/>
+                  <a:pt x="18437" y="18437"/>
+                </a:cubicBezTo>
+                <a:cubicBezTo>
+                  <a:pt x="20546" y="16328"/>
+                  <a:pt x="21600" y="13565"/>
+                  <a:pt x="21600" y="10801"/>
+                </a:cubicBezTo>
+                <a:cubicBezTo>
+                  <a:pt x="21600" y="8037"/>
+                  <a:pt x="20546" y="5272"/>
+                  <a:pt x="18437" y="3163"/>
+                </a:cubicBezTo>
+                <a:cubicBezTo>
+                  <a:pt x="16328" y="1054"/>
+                  <a:pt x="13565" y="0"/>
+                  <a:pt x="10801" y="0"/>
                 </a:cubicBezTo>
                 <a:close/>
               </a:path>
@@ -4023,7 +4038,7 @@
       </p:sp>
       <p:sp>
         <p:nvSpPr>
-          <p:cNvPr id="154" name="@fili.santillan          @FiliSantillan    filisantillan.com"/>
+          <p:cNvPr id="154" name="fili.santillan          @FiliSantillan    filisantillan.com"/>
           <p:cNvSpPr txBox="1"/>
           <p:nvPr/>
         </p:nvSpPr>
@@ -4064,14 +4079,14 @@
           <a:p>
             <a:pPr/>
             <a:r>
-              <a:t>@fili.santillan          @FiliSantillan    filisantillan.com</a:t>
+              <a:t>fili.santillan          @FiliSantillan    filisantillan.com</a:t>
             </a:r>
           </a:p>
         </p:txBody>
       </p:sp>
       <p:pic>
         <p:nvPicPr>
-          <p:cNvPr id="155" name="Imagen" descr="Imagen"/>
+          <p:cNvPr id="155" name="Image" descr="Image"/>
           <p:cNvPicPr>
             <a:picLocks noChangeAspect="1"/>
           </p:cNvPicPr>
@@ -4087,8 +4102,8 @@
         </p:blipFill>
         <p:spPr>
           <a:xfrm>
-            <a:off x="2633600" y="11577811"/>
-            <a:ext cx="1160421" cy="1159453"/>
+            <a:off x="3389142" y="11577811"/>
+            <a:ext cx="1160420" cy="1159454"/>
           </a:xfrm>
           <a:prstGeom prst="rect">
             <a:avLst/>
@@ -4100,7 +4115,7 @@
       </p:pic>
       <p:pic>
         <p:nvPicPr>
-          <p:cNvPr id="156" name="Imagen" descr="Imagen"/>
+          <p:cNvPr id="156" name="Image" descr="Image"/>
           <p:cNvPicPr>
             <a:picLocks noChangeAspect="1"/>
           </p:cNvPicPr>
@@ -4116,8 +4131,8 @@
         </p:blipFill>
         <p:spPr>
           <a:xfrm>
-            <a:off x="9284441" y="11643187"/>
-            <a:ext cx="1828802" cy="1028701"/>
+            <a:off x="9214026" y="11643187"/>
+            <a:ext cx="1828801" cy="1028701"/>
           </a:xfrm>
           <a:prstGeom prst="rect">
             <a:avLst/>
